--- a/AI 실전 1주차 - tensorflow.pptx
+++ b/AI 실전 1주차 - tensorflow.pptx
@@ -7,17 +7,18 @@
   <p:sldIdLst>
     <p:sldId id="256" r:id="rId2"/>
     <p:sldId id="257" r:id="rId3"/>
-    <p:sldId id="258" r:id="rId4"/>
-    <p:sldId id="259" r:id="rId5"/>
-    <p:sldId id="260" r:id="rId6"/>
-    <p:sldId id="261" r:id="rId7"/>
-    <p:sldId id="262" r:id="rId8"/>
-    <p:sldId id="263" r:id="rId9"/>
-    <p:sldId id="264" r:id="rId10"/>
-    <p:sldId id="265" r:id="rId11"/>
-    <p:sldId id="266" r:id="rId12"/>
-    <p:sldId id="267" r:id="rId13"/>
-    <p:sldId id="268" r:id="rId14"/>
+    <p:sldId id="269" r:id="rId4"/>
+    <p:sldId id="258" r:id="rId5"/>
+    <p:sldId id="259" r:id="rId6"/>
+    <p:sldId id="260" r:id="rId7"/>
+    <p:sldId id="261" r:id="rId8"/>
+    <p:sldId id="262" r:id="rId9"/>
+    <p:sldId id="263" r:id="rId10"/>
+    <p:sldId id="264" r:id="rId11"/>
+    <p:sldId id="265" r:id="rId12"/>
+    <p:sldId id="266" r:id="rId13"/>
+    <p:sldId id="267" r:id="rId14"/>
+    <p:sldId id="268" r:id="rId15"/>
   </p:sldIdLst>
   <p:sldSz cx="12192000" cy="6858000"/>
   <p:notesSz cx="6858000" cy="9144000"/>
@@ -116,6 +117,11 @@
       </a:defRPr>
     </a:lvl9pPr>
   </p:defaultTextStyle>
+  <p:extLst>
+    <p:ext uri="{EFAFB233-063F-42B5-8137-9DF3F51BA10A}">
+      <p15:sldGuideLst xmlns:p15="http://schemas.microsoft.com/office/powerpoint/2012/main"/>
+    </p:ext>
+  </p:extLst>
 </p:presentation>
 </file>
 
@@ -266,7 +272,7 @@
           <a:p>
             <a:fld id="{71D6B25D-FD41-4849-AE03-1D097D5377A0}" type="datetimeFigureOut">
               <a:rPr kumimoji="1" lang="ko-KR" altLang="en-US" smtClean="0"/>
-              <a:t>2025. 5. 17.</a:t>
+              <a:t>2025. 5. 18.</a:t>
             </a:fld>
             <a:endParaRPr kumimoji="1" lang="ko-KR" altLang="en-US"/>
           </a:p>
@@ -464,7 +470,7 @@
           <a:p>
             <a:fld id="{71D6B25D-FD41-4849-AE03-1D097D5377A0}" type="datetimeFigureOut">
               <a:rPr kumimoji="1" lang="ko-KR" altLang="en-US" smtClean="0"/>
-              <a:t>2025. 5. 17.</a:t>
+              <a:t>2025. 5. 18.</a:t>
             </a:fld>
             <a:endParaRPr kumimoji="1" lang="ko-KR" altLang="en-US"/>
           </a:p>
@@ -672,7 +678,7 @@
           <a:p>
             <a:fld id="{71D6B25D-FD41-4849-AE03-1D097D5377A0}" type="datetimeFigureOut">
               <a:rPr kumimoji="1" lang="ko-KR" altLang="en-US" smtClean="0"/>
-              <a:t>2025. 5. 17.</a:t>
+              <a:t>2025. 5. 18.</a:t>
             </a:fld>
             <a:endParaRPr kumimoji="1" lang="ko-KR" altLang="en-US"/>
           </a:p>
@@ -870,7 +876,7 @@
           <a:p>
             <a:fld id="{71D6B25D-FD41-4849-AE03-1D097D5377A0}" type="datetimeFigureOut">
               <a:rPr kumimoji="1" lang="ko-KR" altLang="en-US" smtClean="0"/>
-              <a:t>2025. 5. 17.</a:t>
+              <a:t>2025. 5. 18.</a:t>
             </a:fld>
             <a:endParaRPr kumimoji="1" lang="ko-KR" altLang="en-US"/>
           </a:p>
@@ -1145,7 +1151,7 @@
           <a:p>
             <a:fld id="{71D6B25D-FD41-4849-AE03-1D097D5377A0}" type="datetimeFigureOut">
               <a:rPr kumimoji="1" lang="ko-KR" altLang="en-US" smtClean="0"/>
-              <a:t>2025. 5. 17.</a:t>
+              <a:t>2025. 5. 18.</a:t>
             </a:fld>
             <a:endParaRPr kumimoji="1" lang="ko-KR" altLang="en-US"/>
           </a:p>
@@ -1410,7 +1416,7 @@
           <a:p>
             <a:fld id="{71D6B25D-FD41-4849-AE03-1D097D5377A0}" type="datetimeFigureOut">
               <a:rPr kumimoji="1" lang="ko-KR" altLang="en-US" smtClean="0"/>
-              <a:t>2025. 5. 17.</a:t>
+              <a:t>2025. 5. 18.</a:t>
             </a:fld>
             <a:endParaRPr kumimoji="1" lang="ko-KR" altLang="en-US"/>
           </a:p>
@@ -1822,7 +1828,7 @@
           <a:p>
             <a:fld id="{71D6B25D-FD41-4849-AE03-1D097D5377A0}" type="datetimeFigureOut">
               <a:rPr kumimoji="1" lang="ko-KR" altLang="en-US" smtClean="0"/>
-              <a:t>2025. 5. 17.</a:t>
+              <a:t>2025. 5. 18.</a:t>
             </a:fld>
             <a:endParaRPr kumimoji="1" lang="ko-KR" altLang="en-US"/>
           </a:p>
@@ -1963,7 +1969,7 @@
           <a:p>
             <a:fld id="{71D6B25D-FD41-4849-AE03-1D097D5377A0}" type="datetimeFigureOut">
               <a:rPr kumimoji="1" lang="ko-KR" altLang="en-US" smtClean="0"/>
-              <a:t>2025. 5. 17.</a:t>
+              <a:t>2025. 5. 18.</a:t>
             </a:fld>
             <a:endParaRPr kumimoji="1" lang="ko-KR" altLang="en-US"/>
           </a:p>
@@ -2076,7 +2082,7 @@
           <a:p>
             <a:fld id="{71D6B25D-FD41-4849-AE03-1D097D5377A0}" type="datetimeFigureOut">
               <a:rPr kumimoji="1" lang="ko-KR" altLang="en-US" smtClean="0"/>
-              <a:t>2025. 5. 17.</a:t>
+              <a:t>2025. 5. 18.</a:t>
             </a:fld>
             <a:endParaRPr kumimoji="1" lang="ko-KR" altLang="en-US"/>
           </a:p>
@@ -2387,7 +2393,7 @@
           <a:p>
             <a:fld id="{71D6B25D-FD41-4849-AE03-1D097D5377A0}" type="datetimeFigureOut">
               <a:rPr kumimoji="1" lang="ko-KR" altLang="en-US" smtClean="0"/>
-              <a:t>2025. 5. 17.</a:t>
+              <a:t>2025. 5. 18.</a:t>
             </a:fld>
             <a:endParaRPr kumimoji="1" lang="ko-KR" altLang="en-US"/>
           </a:p>
@@ -2675,7 +2681,7 @@
           <a:p>
             <a:fld id="{71D6B25D-FD41-4849-AE03-1D097D5377A0}" type="datetimeFigureOut">
               <a:rPr kumimoji="1" lang="ko-KR" altLang="en-US" smtClean="0"/>
-              <a:t>2025. 5. 17.</a:t>
+              <a:t>2025. 5. 18.</a:t>
             </a:fld>
             <a:endParaRPr kumimoji="1" lang="ko-KR" altLang="en-US"/>
           </a:p>
@@ -2916,7 +2922,7 @@
           <a:p>
             <a:fld id="{71D6B25D-FD41-4849-AE03-1D097D5377A0}" type="datetimeFigureOut">
               <a:rPr kumimoji="1" lang="ko-KR" altLang="en-US" smtClean="0"/>
-              <a:t>2025. 5. 17.</a:t>
+              <a:t>2025. 5. 18.</a:t>
             </a:fld>
             <a:endParaRPr kumimoji="1" lang="ko-KR" altLang="en-US"/>
           </a:p>
@@ -3448,6 +3454,102 @@
           <p:cNvPr id="2" name="제목 1">
             <a:extLst>
               <a:ext uri="{FF2B5EF4-FFF2-40B4-BE49-F238E27FC236}">
+                <a16:creationId xmlns:a16="http://schemas.microsoft.com/office/drawing/2014/main" id="{3829BE55-CBBF-E6CF-466D-A85337F96823}"/>
+              </a:ext>
+            </a:extLst>
+          </p:cNvPr>
+          <p:cNvSpPr>
+            <a:spLocks noGrp="1"/>
+          </p:cNvSpPr>
+          <p:nvPr>
+            <p:ph type="title"/>
+          </p:nvPr>
+        </p:nvSpPr>
+        <p:spPr/>
+        <p:txBody>
+          <a:bodyPr/>
+          <a:lstStyle/>
+          <a:p>
+            <a:r>
+              <a:rPr kumimoji="1" lang="en-US" altLang="ko-KR" dirty="0"/>
+              <a:t>4. Model create (</a:t>
+            </a:r>
+            <a:r>
+              <a:rPr kumimoji="1" lang="ko-KR" altLang="en-US" dirty="0"/>
+              <a:t>특성 추출</a:t>
+            </a:r>
+            <a:r>
+              <a:rPr kumimoji="1" lang="en-US" altLang="ko-KR" dirty="0"/>
+              <a:t>)</a:t>
+            </a:r>
+            <a:endParaRPr kumimoji="1" lang="ko-KR" altLang="en-US" dirty="0"/>
+          </a:p>
+        </p:txBody>
+      </p:sp>
+      <p:pic>
+        <p:nvPicPr>
+          <p:cNvPr id="5" name="내용 개체 틀 4" descr="텍스트, 스크린샷이(가) 표시된 사진&#10;&#10;AI 생성 콘텐츠는 정확하지 않을 수 있습니다.">
+            <a:extLst>
+              <a:ext uri="{FF2B5EF4-FFF2-40B4-BE49-F238E27FC236}">
+                <a16:creationId xmlns:a16="http://schemas.microsoft.com/office/drawing/2014/main" id="{011B394F-50C9-4C7C-0811-876593ADDACB}"/>
+              </a:ext>
+            </a:extLst>
+          </p:cNvPr>
+          <p:cNvPicPr>
+            <a:picLocks noGrp="1" noChangeAspect="1"/>
+          </p:cNvPicPr>
+          <p:nvPr>
+            <p:ph idx="1"/>
+          </p:nvPr>
+        </p:nvPicPr>
+        <p:blipFill>
+          <a:blip r:embed="rId2"/>
+          <a:stretch>
+            <a:fillRect/>
+          </a:stretch>
+        </p:blipFill>
+        <p:spPr>
+          <a:xfrm>
+            <a:off x="863600" y="2134394"/>
+            <a:ext cx="10464800" cy="3733800"/>
+          </a:xfrm>
+        </p:spPr>
+      </p:pic>
+    </p:spTree>
+    <p:extLst>
+      <p:ext uri="{BB962C8B-B14F-4D97-AF65-F5344CB8AC3E}">
+        <p14:creationId xmlns:p14="http://schemas.microsoft.com/office/powerpoint/2010/main" val="3541909172"/>
+      </p:ext>
+    </p:extLst>
+  </p:cSld>
+  <p:clrMapOvr>
+    <a:masterClrMapping/>
+  </p:clrMapOvr>
+</p:sld>
+</file>
+
+<file path=ppt/slides/slide11.xml><?xml version="1.0" encoding="utf-8"?>
+<p:sld xmlns:a="http://schemas.openxmlformats.org/drawingml/2006/main" xmlns:r="http://schemas.openxmlformats.org/officeDocument/2006/relationships" xmlns:p="http://schemas.openxmlformats.org/presentationml/2006/main">
+  <p:cSld>
+    <p:spTree>
+      <p:nvGrpSpPr>
+        <p:cNvPr id="1" name=""/>
+        <p:cNvGrpSpPr/>
+        <p:nvPr/>
+      </p:nvGrpSpPr>
+      <p:grpSpPr>
+        <a:xfrm>
+          <a:off x="0" y="0"/>
+          <a:ext cx="0" cy="0"/>
+          <a:chOff x="0" y="0"/>
+          <a:chExt cx="0" cy="0"/>
+        </a:xfrm>
+      </p:grpSpPr>
+      <p:sp>
+        <p:nvSpPr>
+          <p:cNvPr id="2" name="제목 1">
+            <a:extLst>
+              <a:ext uri="{FF2B5EF4-FFF2-40B4-BE49-F238E27FC236}">
                 <a16:creationId xmlns:a16="http://schemas.microsoft.com/office/drawing/2014/main" id="{78457088-D41C-A706-0873-730CF60EE672}"/>
               </a:ext>
             </a:extLst>
@@ -3530,7 +3632,7 @@
 </p:sld>
 </file>
 
-<file path=ppt/slides/slide11.xml><?xml version="1.0" encoding="utf-8"?>
+<file path=ppt/slides/slide12.xml><?xml version="1.0" encoding="utf-8"?>
 <p:sld xmlns:a="http://schemas.openxmlformats.org/drawingml/2006/main" xmlns:r="http://schemas.openxmlformats.org/officeDocument/2006/relationships" xmlns:p="http://schemas.openxmlformats.org/presentationml/2006/main">
   <p:cSld>
     <p:spTree>
@@ -3618,124 +3720,6 @@
 </p:sld>
 </file>
 
-<file path=ppt/slides/slide12.xml><?xml version="1.0" encoding="utf-8"?>
-<p:sld xmlns:a="http://schemas.openxmlformats.org/drawingml/2006/main" xmlns:r="http://schemas.openxmlformats.org/officeDocument/2006/relationships" xmlns:p="http://schemas.openxmlformats.org/presentationml/2006/main">
-  <p:cSld>
-    <p:spTree>
-      <p:nvGrpSpPr>
-        <p:cNvPr id="1" name=""/>
-        <p:cNvGrpSpPr/>
-        <p:nvPr/>
-      </p:nvGrpSpPr>
-      <p:grpSpPr>
-        <a:xfrm>
-          <a:off x="0" y="0"/>
-          <a:ext cx="0" cy="0"/>
-          <a:chOff x="0" y="0"/>
-          <a:chExt cx="0" cy="0"/>
-        </a:xfrm>
-      </p:grpSpPr>
-      <p:sp>
-        <p:nvSpPr>
-          <p:cNvPr id="6" name="제목 5">
-            <a:extLst>
-              <a:ext uri="{FF2B5EF4-FFF2-40B4-BE49-F238E27FC236}">
-                <a16:creationId xmlns:a16="http://schemas.microsoft.com/office/drawing/2014/main" id="{3432B3AF-AFBF-ABC0-1AB2-1FAB3D40F39A}"/>
-              </a:ext>
-            </a:extLst>
-          </p:cNvPr>
-          <p:cNvSpPr>
-            <a:spLocks noGrp="1"/>
-          </p:cNvSpPr>
-          <p:nvPr>
-            <p:ph type="title"/>
-          </p:nvPr>
-        </p:nvSpPr>
-        <p:spPr/>
-        <p:txBody>
-          <a:bodyPr/>
-          <a:lstStyle/>
-          <a:p>
-            <a:r>
-              <a:rPr lang="ko-KR" altLang="en-US" dirty="0"/>
-              <a:t>과제 실습 </a:t>
-            </a:r>
-            <a:r>
-              <a:rPr lang="en-US" altLang="ko-KR" dirty="0"/>
-              <a:t>100</a:t>
-            </a:r>
-            <a:r>
-              <a:rPr lang="ko-KR" altLang="en-US" dirty="0"/>
-              <a:t>가지 종류</a:t>
-            </a:r>
-            <a:br>
-              <a:rPr lang="en-US" altLang="ko-KR" dirty="0"/>
-            </a:br>
-            <a:r>
-              <a:rPr lang="ko-KR" altLang="en-US" dirty="0"/>
-              <a:t>스포츠 이미지 분류하기</a:t>
-            </a:r>
-          </a:p>
-        </p:txBody>
-      </p:sp>
-      <p:sp>
-        <p:nvSpPr>
-          <p:cNvPr id="7" name="텍스트 개체 틀 6">
-            <a:extLst>
-              <a:ext uri="{FF2B5EF4-FFF2-40B4-BE49-F238E27FC236}">
-                <a16:creationId xmlns:a16="http://schemas.microsoft.com/office/drawing/2014/main" id="{68763BF3-4114-3D31-B29E-136E430A77BD}"/>
-              </a:ext>
-            </a:extLst>
-          </p:cNvPr>
-          <p:cNvSpPr>
-            <a:spLocks noGrp="1"/>
-          </p:cNvSpPr>
-          <p:nvPr>
-            <p:ph type="body" idx="1"/>
-          </p:nvPr>
-        </p:nvSpPr>
-        <p:spPr/>
-        <p:txBody>
-          <a:bodyPr/>
-          <a:lstStyle/>
-          <a:p>
-            <a:r>
-              <a:rPr lang="en" altLang="ko-KR" dirty="0"/>
-              <a:t>https://</a:t>
-            </a:r>
-            <a:r>
-              <a:rPr lang="en" altLang="ko-KR" dirty="0" err="1"/>
-              <a:t>www.kaggle.com</a:t>
-            </a:r>
-            <a:r>
-              <a:rPr lang="en" altLang="ko-KR" dirty="0"/>
-              <a:t>/datasets/</a:t>
-            </a:r>
-            <a:r>
-              <a:rPr lang="en" altLang="ko-KR" dirty="0" err="1"/>
-              <a:t>gpiosenka</a:t>
-            </a:r>
-            <a:r>
-              <a:rPr lang="en" altLang="ko-KR" dirty="0"/>
-              <a:t>/sports-classification/data</a:t>
-            </a:r>
-            <a:endParaRPr lang="ko-KR" altLang="en-US" dirty="0"/>
-          </a:p>
-        </p:txBody>
-      </p:sp>
-    </p:spTree>
-    <p:extLst>
-      <p:ext uri="{BB962C8B-B14F-4D97-AF65-F5344CB8AC3E}">
-        <p14:creationId xmlns:p14="http://schemas.microsoft.com/office/powerpoint/2010/main" val="2390206261"/>
-      </p:ext>
-    </p:extLst>
-  </p:cSld>
-  <p:clrMapOvr>
-    <a:masterClrMapping/>
-  </p:clrMapOvr>
-</p:sld>
-</file>
-
 <file path=ppt/slides/slide13.xml><?xml version="1.0" encoding="utf-8"?>
 <p:sld xmlns:a="http://schemas.openxmlformats.org/drawingml/2006/main" xmlns:r="http://schemas.openxmlformats.org/officeDocument/2006/relationships" xmlns:p="http://schemas.openxmlformats.org/presentationml/2006/main">
   <p:cSld>
@@ -3755,6 +3739,124 @@
       </p:grpSpPr>
       <p:sp>
         <p:nvSpPr>
+          <p:cNvPr id="6" name="제목 5">
+            <a:extLst>
+              <a:ext uri="{FF2B5EF4-FFF2-40B4-BE49-F238E27FC236}">
+                <a16:creationId xmlns:a16="http://schemas.microsoft.com/office/drawing/2014/main" id="{3432B3AF-AFBF-ABC0-1AB2-1FAB3D40F39A}"/>
+              </a:ext>
+            </a:extLst>
+          </p:cNvPr>
+          <p:cNvSpPr>
+            <a:spLocks noGrp="1"/>
+          </p:cNvSpPr>
+          <p:nvPr>
+            <p:ph type="title"/>
+          </p:nvPr>
+        </p:nvSpPr>
+        <p:spPr/>
+        <p:txBody>
+          <a:bodyPr/>
+          <a:lstStyle/>
+          <a:p>
+            <a:r>
+              <a:rPr lang="ko-KR" altLang="en-US" dirty="0"/>
+              <a:t>과제 실습 </a:t>
+            </a:r>
+            <a:r>
+              <a:rPr lang="en-US" altLang="ko-KR" dirty="0"/>
+              <a:t>100</a:t>
+            </a:r>
+            <a:r>
+              <a:rPr lang="ko-KR" altLang="en-US" dirty="0"/>
+              <a:t>가지 종류</a:t>
+            </a:r>
+            <a:br>
+              <a:rPr lang="en-US" altLang="ko-KR" dirty="0"/>
+            </a:br>
+            <a:r>
+              <a:rPr lang="ko-KR" altLang="en-US" dirty="0"/>
+              <a:t>스포츠 이미지 분류하기</a:t>
+            </a:r>
+          </a:p>
+        </p:txBody>
+      </p:sp>
+      <p:sp>
+        <p:nvSpPr>
+          <p:cNvPr id="7" name="텍스트 개체 틀 6">
+            <a:extLst>
+              <a:ext uri="{FF2B5EF4-FFF2-40B4-BE49-F238E27FC236}">
+                <a16:creationId xmlns:a16="http://schemas.microsoft.com/office/drawing/2014/main" id="{68763BF3-4114-3D31-B29E-136E430A77BD}"/>
+              </a:ext>
+            </a:extLst>
+          </p:cNvPr>
+          <p:cNvSpPr>
+            <a:spLocks noGrp="1"/>
+          </p:cNvSpPr>
+          <p:nvPr>
+            <p:ph type="body" idx="1"/>
+          </p:nvPr>
+        </p:nvSpPr>
+        <p:spPr/>
+        <p:txBody>
+          <a:bodyPr/>
+          <a:lstStyle/>
+          <a:p>
+            <a:r>
+              <a:rPr lang="en" altLang="ko-KR" dirty="0"/>
+              <a:t>https://</a:t>
+            </a:r>
+            <a:r>
+              <a:rPr lang="en" altLang="ko-KR" dirty="0" err="1"/>
+              <a:t>www.kaggle.com</a:t>
+            </a:r>
+            <a:r>
+              <a:rPr lang="en" altLang="ko-KR" dirty="0"/>
+              <a:t>/datasets/</a:t>
+            </a:r>
+            <a:r>
+              <a:rPr lang="en" altLang="ko-KR" dirty="0" err="1"/>
+              <a:t>gpiosenka</a:t>
+            </a:r>
+            <a:r>
+              <a:rPr lang="en" altLang="ko-KR" dirty="0"/>
+              <a:t>/sports-classification/data</a:t>
+            </a:r>
+            <a:endParaRPr lang="ko-KR" altLang="en-US" dirty="0"/>
+          </a:p>
+        </p:txBody>
+      </p:sp>
+    </p:spTree>
+    <p:extLst>
+      <p:ext uri="{BB962C8B-B14F-4D97-AF65-F5344CB8AC3E}">
+        <p14:creationId xmlns:p14="http://schemas.microsoft.com/office/powerpoint/2010/main" val="2390206261"/>
+      </p:ext>
+    </p:extLst>
+  </p:cSld>
+  <p:clrMapOvr>
+    <a:masterClrMapping/>
+  </p:clrMapOvr>
+</p:sld>
+</file>
+
+<file path=ppt/slides/slide14.xml><?xml version="1.0" encoding="utf-8"?>
+<p:sld xmlns:a="http://schemas.openxmlformats.org/drawingml/2006/main" xmlns:r="http://schemas.openxmlformats.org/officeDocument/2006/relationships" xmlns:p="http://schemas.openxmlformats.org/presentationml/2006/main">
+  <p:cSld>
+    <p:spTree>
+      <p:nvGrpSpPr>
+        <p:cNvPr id="1" name=""/>
+        <p:cNvGrpSpPr/>
+        <p:nvPr/>
+      </p:nvGrpSpPr>
+      <p:grpSpPr>
+        <a:xfrm>
+          <a:off x="0" y="0"/>
+          <a:ext cx="0" cy="0"/>
+          <a:chOff x="0" y="0"/>
+          <a:chExt cx="0" cy="0"/>
+        </a:xfrm>
+      </p:grpSpPr>
+      <p:sp>
+        <p:nvSpPr>
           <p:cNvPr id="4" name="제목 3">
             <a:extLst>
               <a:ext uri="{FF2B5EF4-FFF2-40B4-BE49-F238E27FC236}">
@@ -3776,7 +3878,7 @@
           <a:p>
             <a:r>
               <a:rPr lang="en-US" altLang="ko-KR" dirty="0"/>
-              <a:t>Dataset download code</a:t>
+              <a:t>How to download</a:t>
             </a:r>
             <a:endParaRPr lang="ko-KR" altLang="en-US" dirty="0"/>
           </a:p>
@@ -3784,10 +3886,10 @@
       </p:sp>
       <p:pic>
         <p:nvPicPr>
-          <p:cNvPr id="7" name="내용 개체 틀 6" descr="텍스트, 스크린샷, 소프트웨어, 멀티미디어 소프트웨어이(가) 표시된 사진&#10;&#10;AI 생성 콘텐츠는 정확하지 않을 수 있습니다.">
-            <a:extLst>
-              <a:ext uri="{FF2B5EF4-FFF2-40B4-BE49-F238E27FC236}">
-                <a16:creationId xmlns:a16="http://schemas.microsoft.com/office/drawing/2014/main" id="{A3BE9388-EC7E-86B5-EE45-FCA581B41FB8}"/>
+          <p:cNvPr id="5" name="내용 개체 틀 4">
+            <a:extLst>
+              <a:ext uri="{FF2B5EF4-FFF2-40B4-BE49-F238E27FC236}">
+                <a16:creationId xmlns:a16="http://schemas.microsoft.com/office/drawing/2014/main" id="{7276293F-E115-C542-5661-114BED2646C5}"/>
               </a:ext>
             </a:extLst>
           </p:cNvPr>
@@ -3806,9 +3908,12 @@
         </p:blipFill>
         <p:spPr>
           <a:xfrm>
-            <a:off x="2180492" y="1558017"/>
-            <a:ext cx="7402157" cy="4618946"/>
+            <a:off x="2030316" y="1825625"/>
+            <a:ext cx="8131367" cy="4351338"/>
           </a:xfrm>
+          <a:prstGeom prst="rect">
+            <a:avLst/>
+          </a:prstGeom>
         </p:spPr>
       </p:pic>
     </p:spTree>
@@ -3953,6 +4058,192 @@
           <p:cNvPr id="2" name="제목 1">
             <a:extLst>
               <a:ext uri="{FF2B5EF4-FFF2-40B4-BE49-F238E27FC236}">
+                <a16:creationId xmlns:a16="http://schemas.microsoft.com/office/drawing/2014/main" id="{649F64ED-BCDF-6DBA-0141-C72B91788C1A}"/>
+              </a:ext>
+            </a:extLst>
+          </p:cNvPr>
+          <p:cNvSpPr>
+            <a:spLocks noGrp="1"/>
+          </p:cNvSpPr>
+          <p:nvPr>
+            <p:ph type="title"/>
+          </p:nvPr>
+        </p:nvSpPr>
+        <p:spPr/>
+        <p:txBody>
+          <a:bodyPr/>
+          <a:lstStyle/>
+          <a:p>
+            <a:r>
+              <a:rPr kumimoji="1" lang="en-US" altLang="ko-KR" dirty="0" err="1"/>
+              <a:t>Tensorflow</a:t>
+            </a:r>
+            <a:r>
+              <a:rPr kumimoji="1" lang="en-US" altLang="ko-KR" dirty="0"/>
+              <a:t> install</a:t>
+            </a:r>
+            <a:endParaRPr kumimoji="1" lang="ko-KR" altLang="en-US" dirty="0"/>
+          </a:p>
+        </p:txBody>
+      </p:sp>
+      <p:pic>
+        <p:nvPicPr>
+          <p:cNvPr id="5" name="내용 개체 틀 4">
+            <a:extLst>
+              <a:ext uri="{FF2B5EF4-FFF2-40B4-BE49-F238E27FC236}">
+                <a16:creationId xmlns:a16="http://schemas.microsoft.com/office/drawing/2014/main" id="{AD5B537A-AC76-C8EA-9BD7-FEF9B6833CF5}"/>
+              </a:ext>
+            </a:extLst>
+          </p:cNvPr>
+          <p:cNvPicPr>
+            <a:picLocks noGrp="1" noChangeAspect="1"/>
+          </p:cNvPicPr>
+          <p:nvPr>
+            <p:ph sz="half" idx="1"/>
+          </p:nvPr>
+        </p:nvPicPr>
+        <p:blipFill>
+          <a:blip r:embed="rId2"/>
+          <a:stretch>
+            <a:fillRect/>
+          </a:stretch>
+        </p:blipFill>
+        <p:spPr>
+          <a:xfrm>
+            <a:off x="838200" y="2311090"/>
+            <a:ext cx="5181600" cy="3380407"/>
+          </a:xfrm>
+          <a:prstGeom prst="rect">
+            <a:avLst/>
+          </a:prstGeom>
+        </p:spPr>
+      </p:pic>
+      <p:sp>
+        <p:nvSpPr>
+          <p:cNvPr id="6" name="내용 개체 틀 5">
+            <a:extLst>
+              <a:ext uri="{FF2B5EF4-FFF2-40B4-BE49-F238E27FC236}">
+                <a16:creationId xmlns:a16="http://schemas.microsoft.com/office/drawing/2014/main" id="{D6D248E0-2CEF-4AEB-13BB-13B747F614E7}"/>
+              </a:ext>
+            </a:extLst>
+          </p:cNvPr>
+          <p:cNvSpPr>
+            <a:spLocks noGrp="1"/>
+          </p:cNvSpPr>
+          <p:nvPr>
+            <p:ph sz="half" idx="2"/>
+          </p:nvPr>
+        </p:nvSpPr>
+        <p:spPr/>
+        <p:txBody>
+          <a:bodyPr anchor="ctr"/>
+          <a:lstStyle/>
+          <a:p>
+            <a:r>
+              <a:rPr lang="en" altLang="ko-KR" dirty="0"/>
+              <a:t>pip install --upgrade pip</a:t>
+            </a:r>
+          </a:p>
+          <a:p>
+            <a:r>
+              <a:rPr lang="en" altLang="ko-KR" dirty="0"/>
+              <a:t>pip install </a:t>
+            </a:r>
+            <a:r>
+              <a:rPr lang="en" altLang="ko-KR" dirty="0" err="1"/>
+              <a:t>tensorflow</a:t>
+            </a:r>
+            <a:endParaRPr lang="ko-KR" altLang="en-US" dirty="0"/>
+          </a:p>
+        </p:txBody>
+      </p:sp>
+      <p:sp>
+        <p:nvSpPr>
+          <p:cNvPr id="4" name="TextBox 3">
+            <a:extLst>
+              <a:ext uri="{FF2B5EF4-FFF2-40B4-BE49-F238E27FC236}">
+                <a16:creationId xmlns:a16="http://schemas.microsoft.com/office/drawing/2014/main" id="{8508DE82-4878-66E9-753F-3323C4008D66}"/>
+              </a:ext>
+            </a:extLst>
+          </p:cNvPr>
+          <p:cNvSpPr txBox="1"/>
+          <p:nvPr/>
+        </p:nvSpPr>
+        <p:spPr>
+          <a:xfrm>
+            <a:off x="838200" y="6412375"/>
+            <a:ext cx="4388061" cy="369332"/>
+          </a:xfrm>
+          <a:prstGeom prst="rect">
+            <a:avLst/>
+          </a:prstGeom>
+          <a:noFill/>
+        </p:spPr>
+        <p:txBody>
+          <a:bodyPr wrap="none" rtlCol="0">
+            <a:spAutoFit/>
+          </a:bodyPr>
+          <a:lstStyle/>
+          <a:p>
+            <a:r>
+              <a:rPr kumimoji="1" lang="en" altLang="ko-KR" dirty="0"/>
+              <a:t>https://</a:t>
+            </a:r>
+            <a:r>
+              <a:rPr kumimoji="1" lang="en" altLang="ko-KR" dirty="0" err="1"/>
+              <a:t>www.tensorflow.org</a:t>
+            </a:r>
+            <a:r>
+              <a:rPr kumimoji="1" lang="en" altLang="ko-KR" dirty="0"/>
+              <a:t>/</a:t>
+            </a:r>
+            <a:r>
+              <a:rPr kumimoji="1" lang="en" altLang="ko-KR" dirty="0" err="1"/>
+              <a:t>install?hl</a:t>
+            </a:r>
+            <a:r>
+              <a:rPr kumimoji="1" lang="en" altLang="ko-KR" dirty="0"/>
+              <a:t>=ko</a:t>
+            </a:r>
+            <a:endParaRPr kumimoji="1" lang="ko-KR" altLang="en-US" dirty="0"/>
+          </a:p>
+        </p:txBody>
+      </p:sp>
+    </p:spTree>
+    <p:extLst>
+      <p:ext uri="{BB962C8B-B14F-4D97-AF65-F5344CB8AC3E}">
+        <p14:creationId xmlns:p14="http://schemas.microsoft.com/office/powerpoint/2010/main" val="593682763"/>
+      </p:ext>
+    </p:extLst>
+  </p:cSld>
+  <p:clrMapOvr>
+    <a:masterClrMapping/>
+  </p:clrMapOvr>
+</p:sld>
+</file>
+
+<file path=ppt/slides/slide4.xml><?xml version="1.0" encoding="utf-8"?>
+<p:sld xmlns:a="http://schemas.openxmlformats.org/drawingml/2006/main" xmlns:r="http://schemas.openxmlformats.org/officeDocument/2006/relationships" xmlns:p="http://schemas.openxmlformats.org/presentationml/2006/main">
+  <p:cSld>
+    <p:spTree>
+      <p:nvGrpSpPr>
+        <p:cNvPr id="1" name=""/>
+        <p:cNvGrpSpPr/>
+        <p:nvPr/>
+      </p:nvGrpSpPr>
+      <p:grpSpPr>
+        <a:xfrm>
+          <a:off x="0" y="0"/>
+          <a:ext cx="0" cy="0"/>
+          <a:chOff x="0" y="0"/>
+          <a:chExt cx="0" cy="0"/>
+        </a:xfrm>
+      </p:grpSpPr>
+      <p:sp>
+        <p:nvSpPr>
+          <p:cNvPr id="2" name="제목 1">
+            <a:extLst>
+              <a:ext uri="{FF2B5EF4-FFF2-40B4-BE49-F238E27FC236}">
                 <a16:creationId xmlns:a16="http://schemas.microsoft.com/office/drawing/2014/main" id="{21C0F1BB-FA58-8ED6-6ACD-C71BA7574691}"/>
               </a:ext>
             </a:extLst>
@@ -4043,7 +4334,7 @@
 </p:sld>
 </file>
 
-<file path=ppt/slides/slide4.xml><?xml version="1.0" encoding="utf-8"?>
+<file path=ppt/slides/slide5.xml><?xml version="1.0" encoding="utf-8"?>
 <p:sld xmlns:a="http://schemas.openxmlformats.org/drawingml/2006/main" xmlns:r="http://schemas.openxmlformats.org/officeDocument/2006/relationships" xmlns:p="http://schemas.openxmlformats.org/presentationml/2006/main">
   <p:cSld>
     <p:spTree>
@@ -4130,7 +4421,7 @@
 </p:sld>
 </file>
 
-<file path=ppt/slides/slide5.xml><?xml version="1.0" encoding="utf-8"?>
+<file path=ppt/slides/slide6.xml><?xml version="1.0" encoding="utf-8"?>
 <p:sld xmlns:a="http://schemas.openxmlformats.org/drawingml/2006/main" xmlns:r="http://schemas.openxmlformats.org/officeDocument/2006/relationships" xmlns:p="http://schemas.openxmlformats.org/presentationml/2006/main">
   <p:cSld>
     <p:spTree>
@@ -4234,7 +4525,7 @@
 </p:sld>
 </file>
 
-<file path=ppt/slides/slide6.xml><?xml version="1.0" encoding="utf-8"?>
+<file path=ppt/slides/slide7.xml><?xml version="1.0" encoding="utf-8"?>
 <p:sld xmlns:a="http://schemas.openxmlformats.org/drawingml/2006/main" xmlns:r="http://schemas.openxmlformats.org/officeDocument/2006/relationships" xmlns:p="http://schemas.openxmlformats.org/presentationml/2006/main">
   <p:cSld>
     <p:spTree>
@@ -4326,7 +4617,7 @@
 </p:sld>
 </file>
 
-<file path=ppt/slides/slide7.xml><?xml version="1.0" encoding="utf-8"?>
+<file path=ppt/slides/slide8.xml><?xml version="1.0" encoding="utf-8"?>
 <p:sld xmlns:a="http://schemas.openxmlformats.org/drawingml/2006/main" xmlns:r="http://schemas.openxmlformats.org/officeDocument/2006/relationships" xmlns:p="http://schemas.openxmlformats.org/presentationml/2006/main">
   <p:cSld>
     <p:spTree>
@@ -4461,7 +4752,7 @@
 </p:sld>
 </file>
 
-<file path=ppt/slides/slide8.xml><?xml version="1.0" encoding="utf-8"?>
+<file path=ppt/slides/slide9.xml><?xml version="1.0" encoding="utf-8"?>
 <p:sld xmlns:a="http://schemas.openxmlformats.org/drawingml/2006/main" xmlns:r="http://schemas.openxmlformats.org/officeDocument/2006/relationships" xmlns:p="http://schemas.openxmlformats.org/presentationml/2006/main">
   <p:cSld>
     <p:spTree>
@@ -4560,102 +4851,6 @@
     <p:extLst>
       <p:ext uri="{BB962C8B-B14F-4D97-AF65-F5344CB8AC3E}">
         <p14:creationId xmlns:p14="http://schemas.microsoft.com/office/powerpoint/2010/main" val="2391324950"/>
-      </p:ext>
-    </p:extLst>
-  </p:cSld>
-  <p:clrMapOvr>
-    <a:masterClrMapping/>
-  </p:clrMapOvr>
-</p:sld>
-</file>
-
-<file path=ppt/slides/slide9.xml><?xml version="1.0" encoding="utf-8"?>
-<p:sld xmlns:a="http://schemas.openxmlformats.org/drawingml/2006/main" xmlns:r="http://schemas.openxmlformats.org/officeDocument/2006/relationships" xmlns:p="http://schemas.openxmlformats.org/presentationml/2006/main">
-  <p:cSld>
-    <p:spTree>
-      <p:nvGrpSpPr>
-        <p:cNvPr id="1" name=""/>
-        <p:cNvGrpSpPr/>
-        <p:nvPr/>
-      </p:nvGrpSpPr>
-      <p:grpSpPr>
-        <a:xfrm>
-          <a:off x="0" y="0"/>
-          <a:ext cx="0" cy="0"/>
-          <a:chOff x="0" y="0"/>
-          <a:chExt cx="0" cy="0"/>
-        </a:xfrm>
-      </p:grpSpPr>
-      <p:sp>
-        <p:nvSpPr>
-          <p:cNvPr id="2" name="제목 1">
-            <a:extLst>
-              <a:ext uri="{FF2B5EF4-FFF2-40B4-BE49-F238E27FC236}">
-                <a16:creationId xmlns:a16="http://schemas.microsoft.com/office/drawing/2014/main" id="{3829BE55-CBBF-E6CF-466D-A85337F96823}"/>
-              </a:ext>
-            </a:extLst>
-          </p:cNvPr>
-          <p:cNvSpPr>
-            <a:spLocks noGrp="1"/>
-          </p:cNvSpPr>
-          <p:nvPr>
-            <p:ph type="title"/>
-          </p:nvPr>
-        </p:nvSpPr>
-        <p:spPr/>
-        <p:txBody>
-          <a:bodyPr/>
-          <a:lstStyle/>
-          <a:p>
-            <a:r>
-              <a:rPr kumimoji="1" lang="en-US" altLang="ko-KR" dirty="0"/>
-              <a:t>4. Model create (</a:t>
-            </a:r>
-            <a:r>
-              <a:rPr kumimoji="1" lang="ko-KR" altLang="en-US" dirty="0"/>
-              <a:t>특성 추출</a:t>
-            </a:r>
-            <a:r>
-              <a:rPr kumimoji="1" lang="en-US" altLang="ko-KR" dirty="0"/>
-              <a:t>)</a:t>
-            </a:r>
-            <a:endParaRPr kumimoji="1" lang="ko-KR" altLang="en-US" dirty="0"/>
-          </a:p>
-        </p:txBody>
-      </p:sp>
-      <p:pic>
-        <p:nvPicPr>
-          <p:cNvPr id="5" name="내용 개체 틀 4" descr="텍스트, 스크린샷이(가) 표시된 사진&#10;&#10;AI 생성 콘텐츠는 정확하지 않을 수 있습니다.">
-            <a:extLst>
-              <a:ext uri="{FF2B5EF4-FFF2-40B4-BE49-F238E27FC236}">
-                <a16:creationId xmlns:a16="http://schemas.microsoft.com/office/drawing/2014/main" id="{011B394F-50C9-4C7C-0811-876593ADDACB}"/>
-              </a:ext>
-            </a:extLst>
-          </p:cNvPr>
-          <p:cNvPicPr>
-            <a:picLocks noGrp="1" noChangeAspect="1"/>
-          </p:cNvPicPr>
-          <p:nvPr>
-            <p:ph idx="1"/>
-          </p:nvPr>
-        </p:nvPicPr>
-        <p:blipFill>
-          <a:blip r:embed="rId2"/>
-          <a:stretch>
-            <a:fillRect/>
-          </a:stretch>
-        </p:blipFill>
-        <p:spPr>
-          <a:xfrm>
-            <a:off x="863600" y="2134394"/>
-            <a:ext cx="10464800" cy="3733800"/>
-          </a:xfrm>
-        </p:spPr>
-      </p:pic>
-    </p:spTree>
-    <p:extLst>
-      <p:ext uri="{BB962C8B-B14F-4D97-AF65-F5344CB8AC3E}">
-        <p14:creationId xmlns:p14="http://schemas.microsoft.com/office/powerpoint/2010/main" val="3541909172"/>
       </p:ext>
     </p:extLst>
   </p:cSld>
